--- a/TEAMLID_Presentation.pptx
+++ b/TEAMLID_Presentation.pptx
@@ -1422,6 +1422,13 @@
         </dgm:presLayoutVars>
       </dgm:prSet>
       <dgm:spPr/>
+      <dgm:t>
+        <a:bodyPr/>
+        <a:lstStyle/>
+        <a:p>
+          <a:endParaRPr lang="en-US"/>
+        </a:p>
+      </dgm:t>
     </dgm:pt>
     <dgm:pt modelId="{F926A9CB-9DD0-4BA2-A762-F188B3775907}" type="pres">
       <dgm:prSet presAssocID="{B586A357-945A-4C3A-9E0B-2CF6C9886E60}" presName="parTxOnly" presStyleLbl="node1" presStyleIdx="0" presStyleCnt="6" custLinFactNeighborX="-5547" custLinFactNeighborY="2877">
@@ -1432,6 +1439,13 @@
         </dgm:presLayoutVars>
       </dgm:prSet>
       <dgm:spPr/>
+      <dgm:t>
+        <a:bodyPr/>
+        <a:lstStyle/>
+        <a:p>
+          <a:endParaRPr lang="en-US"/>
+        </a:p>
+      </dgm:t>
     </dgm:pt>
     <dgm:pt modelId="{943789B8-8340-432E-8331-6F50F5CD93D9}" type="pres">
       <dgm:prSet presAssocID="{415250C1-EB7A-44FC-A61C-01B407C13B41}" presName="parTxOnlySpace" presStyleCnt="0"/>
@@ -1446,6 +1460,13 @@
         </dgm:presLayoutVars>
       </dgm:prSet>
       <dgm:spPr/>
+      <dgm:t>
+        <a:bodyPr/>
+        <a:lstStyle/>
+        <a:p>
+          <a:endParaRPr lang="en-US"/>
+        </a:p>
+      </dgm:t>
     </dgm:pt>
     <dgm:pt modelId="{1CA3C1BB-58A5-4763-838D-7BCA55AEBFB4}" type="pres">
       <dgm:prSet presAssocID="{E213333B-8B9F-4909-B2F9-0B749CA93FF9}" presName="parTxOnlySpace" presStyleCnt="0"/>
@@ -1460,6 +1481,13 @@
         </dgm:presLayoutVars>
       </dgm:prSet>
       <dgm:spPr/>
+      <dgm:t>
+        <a:bodyPr/>
+        <a:lstStyle/>
+        <a:p>
+          <a:endParaRPr lang="en-US"/>
+        </a:p>
+      </dgm:t>
     </dgm:pt>
     <dgm:pt modelId="{A3F132EB-7CD7-454D-ACFE-FD39AA31095D}" type="pres">
       <dgm:prSet presAssocID="{FB41EB4C-6CE6-4DFA-8745-9886138EB455}" presName="parTxOnlySpace" presStyleCnt="0"/>
@@ -1474,6 +1502,13 @@
         </dgm:presLayoutVars>
       </dgm:prSet>
       <dgm:spPr/>
+      <dgm:t>
+        <a:bodyPr/>
+        <a:lstStyle/>
+        <a:p>
+          <a:endParaRPr lang="en-US"/>
+        </a:p>
+      </dgm:t>
     </dgm:pt>
     <dgm:pt modelId="{0A171289-AC86-4BF1-94B8-48E4AB3AD908}" type="pres">
       <dgm:prSet presAssocID="{1D92E89A-0DA7-4060-B29A-2AACFC59E175}" presName="parTxOnlySpace" presStyleCnt="0"/>
@@ -1488,6 +1523,13 @@
         </dgm:presLayoutVars>
       </dgm:prSet>
       <dgm:spPr/>
+      <dgm:t>
+        <a:bodyPr/>
+        <a:lstStyle/>
+        <a:p>
+          <a:endParaRPr lang="en-US"/>
+        </a:p>
+      </dgm:t>
     </dgm:pt>
     <dgm:pt modelId="{EBF51063-E077-4A4F-B6C5-D3D1CD17AC29}" type="pres">
       <dgm:prSet presAssocID="{1CA3704C-05AE-418A-9362-63980AD5B7F7}" presName="parTxOnlySpace" presStyleCnt="0"/>
@@ -1502,21 +1544,28 @@
         </dgm:presLayoutVars>
       </dgm:prSet>
       <dgm:spPr/>
+      <dgm:t>
+        <a:bodyPr/>
+        <a:lstStyle/>
+        <a:p>
+          <a:endParaRPr lang="en-US"/>
+        </a:p>
+      </dgm:t>
     </dgm:pt>
   </dgm:ptLst>
   <dgm:cxnLst>
+    <dgm:cxn modelId="{657C8595-7CB4-4781-8C3A-D52890B5CB8D}" type="presOf" srcId="{42104FB8-1FB1-4A7F-BF04-E6010B48260E}" destId="{60D77447-C5EB-4096-90BD-75C5DD733D86}" srcOrd="0" destOrd="0" presId="urn:microsoft.com/office/officeart/2005/8/layout/chevron1"/>
+    <dgm:cxn modelId="{D308F8DD-96C4-4737-98DE-F24812278EEE}" type="presOf" srcId="{31F4D9D5-64EE-4231-8615-E7BEFAE57457}" destId="{1F6A7F03-25EE-4B1A-8B49-35D8E1C6B98A}" srcOrd="0" destOrd="0" presId="urn:microsoft.com/office/officeart/2005/8/layout/chevron1"/>
+    <dgm:cxn modelId="{70F6CB44-5476-4C03-8145-E27220C7CB21}" type="presOf" srcId="{E6D88100-CAF0-4406-99A3-89AD16DDE730}" destId="{73DD3D2E-E8FB-4678-8307-A827CDF0D37C}" srcOrd="0" destOrd="0" presId="urn:microsoft.com/office/officeart/2005/8/layout/chevron1"/>
+    <dgm:cxn modelId="{67977981-ACC4-43AF-AE04-55F76D8D1F20}" srcId="{9041A7A2-75E6-4C3D-84C2-B1E473A0DE93}" destId="{E6D88100-CAF0-4406-99A3-89AD16DDE730}" srcOrd="2" destOrd="0" parTransId="{88BBC73A-0901-4750-9F95-7299FF9EC1BE}" sibTransId="{FB41EB4C-6CE6-4DFA-8745-9886138EB455}"/>
+    <dgm:cxn modelId="{FB83C454-50A6-418C-B95E-C642CDCE0EED}" type="presOf" srcId="{7C5BA743-3CBE-4BB4-9277-2278BB05F47E}" destId="{E7B458B5-FE07-4589-93DF-B4565C96B069}" srcOrd="0" destOrd="0" presId="urn:microsoft.com/office/officeart/2005/8/layout/chevron1"/>
     <dgm:cxn modelId="{94E6EE1A-AD17-43AD-858E-9DF1C19BF899}" srcId="{9041A7A2-75E6-4C3D-84C2-B1E473A0DE93}" destId="{31F4D9D5-64EE-4231-8615-E7BEFAE57457}" srcOrd="1" destOrd="0" parTransId="{96FC5E89-CBC5-47E3-BADA-FF81A4CA6B2E}" sibTransId="{E213333B-8B9F-4909-B2F9-0B749CA93FF9}"/>
-    <dgm:cxn modelId="{70F6CB44-5476-4C03-8145-E27220C7CB21}" type="presOf" srcId="{E6D88100-CAF0-4406-99A3-89AD16DDE730}" destId="{73DD3D2E-E8FB-4678-8307-A827CDF0D37C}" srcOrd="0" destOrd="0" presId="urn:microsoft.com/office/officeart/2005/8/layout/chevron1"/>
+    <dgm:cxn modelId="{DB3395EB-B046-4555-BB2A-295830C59088}" srcId="{9041A7A2-75E6-4C3D-84C2-B1E473A0DE93}" destId="{EC34B72E-5089-4ACC-A08C-0C889AB88BB9}" srcOrd="3" destOrd="0" parTransId="{5836D154-07BE-4C36-B4DB-1CD5ED4709D6}" sibTransId="{1D92E89A-0DA7-4060-B29A-2AACFC59E175}"/>
+    <dgm:cxn modelId="{4B95FEBF-F729-4C03-A646-A667CFAC96D2}" type="presOf" srcId="{9041A7A2-75E6-4C3D-84C2-B1E473A0DE93}" destId="{FA03B0AE-1F8E-4A50-B6E8-CD40AB515CEA}" srcOrd="0" destOrd="0" presId="urn:microsoft.com/office/officeart/2005/8/layout/chevron1"/>
+    <dgm:cxn modelId="{43619A87-A1E7-4C14-830D-3160A86CA2E3}" srcId="{9041A7A2-75E6-4C3D-84C2-B1E473A0DE93}" destId="{7C5BA743-3CBE-4BB4-9277-2278BB05F47E}" srcOrd="5" destOrd="0" parTransId="{EB468260-8AA4-4542-81B8-B5D50192EEB1}" sibTransId="{B618FEAE-F685-490F-914C-515ADAAB6CE0}"/>
     <dgm:cxn modelId="{31F01D4C-0862-4F1E-9929-5494894D930D}" srcId="{9041A7A2-75E6-4C3D-84C2-B1E473A0DE93}" destId="{B586A357-945A-4C3A-9E0B-2CF6C9886E60}" srcOrd="0" destOrd="0" parTransId="{9CFA9617-F9F0-4D55-8B0B-0A50F17BBB84}" sibTransId="{415250C1-EB7A-44FC-A61C-01B407C13B41}"/>
-    <dgm:cxn modelId="{FB83C454-50A6-418C-B95E-C642CDCE0EED}" type="presOf" srcId="{7C5BA743-3CBE-4BB4-9277-2278BB05F47E}" destId="{E7B458B5-FE07-4589-93DF-B4565C96B069}" srcOrd="0" destOrd="0" presId="urn:microsoft.com/office/officeart/2005/8/layout/chevron1"/>
+    <dgm:cxn modelId="{1A357C90-2FC5-41FA-AC35-D9B7729C9601}" type="presOf" srcId="{B586A357-945A-4C3A-9E0B-2CF6C9886E60}" destId="{F926A9CB-9DD0-4BA2-A762-F188B3775907}" srcOrd="0" destOrd="0" presId="urn:microsoft.com/office/officeart/2005/8/layout/chevron1"/>
     <dgm:cxn modelId="{22493A56-C16A-4952-B0BF-C8B71EFC7327}" type="presOf" srcId="{EC34B72E-5089-4ACC-A08C-0C889AB88BB9}" destId="{CDC096BD-F137-41A0-A4D1-1BEE3A2608AB}" srcOrd="0" destOrd="0" presId="urn:microsoft.com/office/officeart/2005/8/layout/chevron1"/>
-    <dgm:cxn modelId="{67977981-ACC4-43AF-AE04-55F76D8D1F20}" srcId="{9041A7A2-75E6-4C3D-84C2-B1E473A0DE93}" destId="{E6D88100-CAF0-4406-99A3-89AD16DDE730}" srcOrd="2" destOrd="0" parTransId="{88BBC73A-0901-4750-9F95-7299FF9EC1BE}" sibTransId="{FB41EB4C-6CE6-4DFA-8745-9886138EB455}"/>
-    <dgm:cxn modelId="{43619A87-A1E7-4C14-830D-3160A86CA2E3}" srcId="{9041A7A2-75E6-4C3D-84C2-B1E473A0DE93}" destId="{7C5BA743-3CBE-4BB4-9277-2278BB05F47E}" srcOrd="5" destOrd="0" parTransId="{EB468260-8AA4-4542-81B8-B5D50192EEB1}" sibTransId="{B618FEAE-F685-490F-914C-515ADAAB6CE0}"/>
-    <dgm:cxn modelId="{1A357C90-2FC5-41FA-AC35-D9B7729C9601}" type="presOf" srcId="{B586A357-945A-4C3A-9E0B-2CF6C9886E60}" destId="{F926A9CB-9DD0-4BA2-A762-F188B3775907}" srcOrd="0" destOrd="0" presId="urn:microsoft.com/office/officeart/2005/8/layout/chevron1"/>
-    <dgm:cxn modelId="{657C8595-7CB4-4781-8C3A-D52890B5CB8D}" type="presOf" srcId="{42104FB8-1FB1-4A7F-BF04-E6010B48260E}" destId="{60D77447-C5EB-4096-90BD-75C5DD733D86}" srcOrd="0" destOrd="0" presId="urn:microsoft.com/office/officeart/2005/8/layout/chevron1"/>
-    <dgm:cxn modelId="{4B95FEBF-F729-4C03-A646-A667CFAC96D2}" type="presOf" srcId="{9041A7A2-75E6-4C3D-84C2-B1E473A0DE93}" destId="{FA03B0AE-1F8E-4A50-B6E8-CD40AB515CEA}" srcOrd="0" destOrd="0" presId="urn:microsoft.com/office/officeart/2005/8/layout/chevron1"/>
-    <dgm:cxn modelId="{D308F8DD-96C4-4737-98DE-F24812278EEE}" type="presOf" srcId="{31F4D9D5-64EE-4231-8615-E7BEFAE57457}" destId="{1F6A7F03-25EE-4B1A-8B49-35D8E1C6B98A}" srcOrd="0" destOrd="0" presId="urn:microsoft.com/office/officeart/2005/8/layout/chevron1"/>
-    <dgm:cxn modelId="{DB3395EB-B046-4555-BB2A-295830C59088}" srcId="{9041A7A2-75E6-4C3D-84C2-B1E473A0DE93}" destId="{EC34B72E-5089-4ACC-A08C-0C889AB88BB9}" srcOrd="3" destOrd="0" parTransId="{5836D154-07BE-4C36-B4DB-1CD5ED4709D6}" sibTransId="{1D92E89A-0DA7-4060-B29A-2AACFC59E175}"/>
     <dgm:cxn modelId="{BAB8B4F4-E1BB-43C1-9F3C-D03187018EEB}" srcId="{9041A7A2-75E6-4C3D-84C2-B1E473A0DE93}" destId="{42104FB8-1FB1-4A7F-BF04-E6010B48260E}" srcOrd="4" destOrd="0" parTransId="{67DA34A9-110B-467F-90BD-D383D0EA6594}" sibTransId="{1CA3704C-05AE-418A-9362-63980AD5B7F7}"/>
     <dgm:cxn modelId="{82FE9295-B226-462F-8127-554D7A1CAE12}" type="presParOf" srcId="{FA03B0AE-1F8E-4A50-B6E8-CD40AB515CEA}" destId="{F926A9CB-9DD0-4BA2-A762-F188B3775907}" srcOrd="0" destOrd="0" presId="urn:microsoft.com/office/officeart/2005/8/layout/chevron1"/>
     <dgm:cxn modelId="{A459D9FB-E825-45E6-BC0D-6C5CB519D108}" type="presParOf" srcId="{FA03B0AE-1F8E-4A50-B6E8-CD40AB515CEA}" destId="{943789B8-8340-432E-8331-6F50F5CD93D9}" srcOrd="1" destOrd="0" presId="urn:microsoft.com/office/officeart/2005/8/layout/chevron1"/>
@@ -1603,7 +1652,7 @@
         </a:bodyPr>
         <a:lstStyle/>
         <a:p>
-          <a:pPr marL="0" lvl="0" indent="0" algn="ctr" defTabSz="711200">
+          <a:pPr lvl="0" algn="ctr" defTabSz="711200">
             <a:lnSpc>
               <a:spcPct val="90000"/>
             </a:lnSpc>
@@ -1696,7 +1745,7 @@
         </a:bodyPr>
         <a:lstStyle/>
         <a:p>
-          <a:pPr marL="0" lvl="0" indent="0" algn="ctr" defTabSz="711200">
+          <a:pPr lvl="0" algn="ctr" defTabSz="711200">
             <a:lnSpc>
               <a:spcPct val="90000"/>
             </a:lnSpc>
@@ -1789,7 +1838,7 @@
         </a:bodyPr>
         <a:lstStyle/>
         <a:p>
-          <a:pPr marL="0" lvl="0" indent="0" algn="ctr" defTabSz="711200">
+          <a:pPr lvl="0" algn="ctr" defTabSz="711200">
             <a:lnSpc>
               <a:spcPct val="90000"/>
             </a:lnSpc>
@@ -1814,7 +1863,7 @@
           </a:r>
         </a:p>
         <a:p>
-          <a:pPr marL="0" lvl="0" indent="0" algn="ctr" defTabSz="711200">
+          <a:pPr lvl="0" algn="ctr" defTabSz="711200">
             <a:lnSpc>
               <a:spcPct val="90000"/>
             </a:lnSpc>
@@ -1899,7 +1948,7 @@
         </a:bodyPr>
         <a:lstStyle/>
         <a:p>
-          <a:pPr marL="0" lvl="0" indent="0" algn="ctr" defTabSz="711200">
+          <a:pPr lvl="0" algn="ctr" defTabSz="711200">
             <a:lnSpc>
               <a:spcPct val="90000"/>
             </a:lnSpc>
@@ -1984,7 +2033,7 @@
         </a:bodyPr>
         <a:lstStyle/>
         <a:p>
-          <a:pPr marL="0" lvl="0" indent="0" algn="ctr" defTabSz="711200">
+          <a:pPr lvl="0" algn="ctr" defTabSz="711200">
             <a:lnSpc>
               <a:spcPct val="90000"/>
             </a:lnSpc>
@@ -2006,7 +2055,7 @@
           </a:endParaRPr>
         </a:p>
         <a:p>
-          <a:pPr marL="0" lvl="0" indent="0" algn="ctr" defTabSz="711200">
+          <a:pPr lvl="0" algn="ctr" defTabSz="711200">
             <a:lnSpc>
               <a:spcPct val="90000"/>
             </a:lnSpc>
@@ -2109,7 +2158,7 @@
         </a:bodyPr>
         <a:lstStyle/>
         <a:p>
-          <a:pPr marL="0" lvl="0" indent="0" algn="ctr" defTabSz="711200">
+          <a:pPr lvl="0" algn="ctr" defTabSz="711200">
             <a:lnSpc>
               <a:spcPct val="90000"/>
             </a:lnSpc>
@@ -2119,7 +2168,6 @@
             <a:spcAft>
               <a:spcPct val="35000"/>
             </a:spcAft>
-            <a:buNone/>
           </a:pPr>
           <a:r>
             <a:rPr lang="en-CA" sz="1600" kern="1200" dirty="0"/>
@@ -3547,7 +3595,7 @@
           <a:p>
             <a:fld id="{872BFC85-49E4-447A-A7E3-16153CB2FE2A}" type="datetimeFigureOut">
               <a:rPr lang="en-IN" smtClean="0"/>
-              <a:t>08-04-2019</a:t>
+              <a:t>09-04-2019</a:t>
             </a:fld>
             <a:endParaRPr lang="en-IN" dirty="0"/>
           </a:p>
@@ -3724,7 +3772,7 @@
           <a:p>
             <a:fld id="{1071B50E-4C60-4F9E-B773-52059170945B}" type="datetimeFigureOut">
               <a:rPr lang="en-IN" smtClean="0"/>
-              <a:t>08-04-2019</a:t>
+              <a:t>09-04-2019</a:t>
             </a:fld>
             <a:endParaRPr lang="en-IN" dirty="0"/>
           </a:p>
@@ -16612,6 +16660,13 @@
   <p:clrMapOvr>
     <a:masterClrMapping/>
   </p:clrMapOvr>
+  <p:timing>
+    <p:tnLst>
+      <p:par>
+        <p:cTn id="1" dur="indefinite" restart="never" nodeType="tmRoot"/>
+      </p:par>
+    </p:tnLst>
+  </p:timing>
 </p:sld>
 </file>
 
@@ -16712,7 +16767,11 @@
           <a:p>
             <a:r>
               <a:rPr lang="en-US" dirty="0"/>
-              <a:t>Administration Desktop Application Demo</a:t>
+              <a:t>Desktop Administration </a:t>
+            </a:r>
+            <a:r>
+              <a:rPr lang="en-US" dirty="0"/>
+              <a:t>Application Demo</a:t>
             </a:r>
           </a:p>
           <a:p>
@@ -16751,34 +16810,6 @@
       </p:pic>
       <p:sp>
         <p:nvSpPr>
-          <p:cNvPr id="11" name="Footer Placeholder 10">
-            <a:extLst>
-              <a:ext uri="{FF2B5EF4-FFF2-40B4-BE49-F238E27FC236}">
-                <a16:creationId xmlns:a16="http://schemas.microsoft.com/office/drawing/2014/main" id="{47F4D2C2-B71A-4089-A3FE-603C32706CA6}"/>
-              </a:ext>
-            </a:extLst>
-          </p:cNvPr>
-          <p:cNvSpPr>
-            <a:spLocks noGrp="1"/>
-          </p:cNvSpPr>
-          <p:nvPr>
-            <p:ph type="ftr" sz="quarter" idx="14"/>
-          </p:nvPr>
-        </p:nvSpPr>
-        <p:spPr/>
-        <p:txBody>
-          <a:bodyPr/>
-          <a:lstStyle/>
-          <a:p>
-            <a:r>
-              <a:rPr lang="en-IN" dirty="0"/>
-              <a:t>Add a footer</a:t>
-            </a:r>
-          </a:p>
-        </p:txBody>
-      </p:sp>
-      <p:sp>
-        <p:nvSpPr>
           <p:cNvPr id="12" name="Slide Number Placeholder 11">
             <a:extLst>
               <a:ext uri="{FF2B5EF4-FFF2-40B4-BE49-F238E27FC236}">
@@ -16804,31 +16835,6 @@
               <a:t>2</a:t>
             </a:fld>
             <a:endParaRPr lang="en-IN" dirty="0"/>
-          </a:p>
-        </p:txBody>
-      </p:sp>
-      <p:sp>
-        <p:nvSpPr>
-          <p:cNvPr id="3" name="Text Placeholder 2">
-            <a:extLst>
-              <a:ext uri="{FF2B5EF4-FFF2-40B4-BE49-F238E27FC236}">
-                <a16:creationId xmlns:a16="http://schemas.microsoft.com/office/drawing/2014/main" id="{5162A745-02A5-4F73-8AC8-51F22F580514}"/>
-              </a:ext>
-            </a:extLst>
-          </p:cNvPr>
-          <p:cNvSpPr>
-            <a:spLocks noGrp="1"/>
-          </p:cNvSpPr>
-          <p:nvPr>
-            <p:ph type="body" sz="quarter" idx="13"/>
-          </p:nvPr>
-        </p:nvSpPr>
-        <p:spPr/>
-        <p:txBody>
-          <a:bodyPr/>
-          <a:lstStyle/>
-          <a:p>
-            <a:endParaRPr lang="en-CA"/>
           </a:p>
         </p:txBody>
       </p:sp>
@@ -16842,6 +16848,13 @@
   <p:clrMapOvr>
     <a:masterClrMapping/>
   </p:clrMapOvr>
+  <p:timing>
+    <p:tnLst>
+      <p:par>
+        <p:cTn id="1" dur="indefinite" restart="never" nodeType="tmRoot"/>
+      </p:par>
+    </p:tnLst>
+  </p:timing>
 </p:sld>
 </file>
 
@@ -16862,136 +16875,6 @@
           <a:chExt cx="0" cy="0"/>
         </a:xfrm>
       </p:grpSpPr>
-      <p:sp>
-        <p:nvSpPr>
-          <p:cNvPr id="13" name="Title 13">
-            <a:extLst>
-              <a:ext uri="{FF2B5EF4-FFF2-40B4-BE49-F238E27FC236}">
-                <a16:creationId xmlns:a16="http://schemas.microsoft.com/office/drawing/2014/main" id="{F64048FA-1C7E-4BEF-8273-A6490A2211F4}"/>
-              </a:ext>
-            </a:extLst>
-          </p:cNvPr>
-          <p:cNvSpPr>
-            <a:spLocks noGrp="1"/>
-          </p:cNvSpPr>
-          <p:nvPr>
-            <p:ph type="title"/>
-          </p:nvPr>
-        </p:nvSpPr>
-        <p:spPr/>
-        <p:txBody>
-          <a:bodyPr/>
-          <a:lstStyle/>
-          <a:p>
-            <a:r>
-              <a:rPr lang="en-ZA" dirty="0"/>
-              <a:t>TIMELINE</a:t>
-            </a:r>
-            <a:endParaRPr lang="en-IN" b="0" dirty="0"/>
-          </a:p>
-        </p:txBody>
-      </p:sp>
-      <p:sp>
-        <p:nvSpPr>
-          <p:cNvPr id="12" name="Text Placeholder 18">
-            <a:extLst>
-              <a:ext uri="{FF2B5EF4-FFF2-40B4-BE49-F238E27FC236}">
-                <a16:creationId xmlns:a16="http://schemas.microsoft.com/office/drawing/2014/main" id="{FAA9D8EA-A7CA-4ED0-94D3-29382CDEBB32}"/>
-              </a:ext>
-            </a:extLst>
-          </p:cNvPr>
-          <p:cNvSpPr>
-            <a:spLocks noGrp="1"/>
-          </p:cNvSpPr>
-          <p:nvPr>
-            <p:ph type="body" sz="quarter" idx="16"/>
-          </p:nvPr>
-        </p:nvSpPr>
-        <p:spPr/>
-        <p:txBody>
-          <a:bodyPr/>
-          <a:lstStyle/>
-          <a:p>
-            <a:endParaRPr lang="da-DK" dirty="0"/>
-          </a:p>
-        </p:txBody>
-      </p:sp>
-      <p:sp>
-        <p:nvSpPr>
-          <p:cNvPr id="3" name="Footer Placeholder 2">
-            <a:extLst>
-              <a:ext uri="{FF2B5EF4-FFF2-40B4-BE49-F238E27FC236}">
-                <a16:creationId xmlns:a16="http://schemas.microsoft.com/office/drawing/2014/main" id="{16764F18-9B71-4D59-80A4-C9436CB2F479}"/>
-              </a:ext>
-            </a:extLst>
-          </p:cNvPr>
-          <p:cNvSpPr>
-            <a:spLocks noGrp="1"/>
-          </p:cNvSpPr>
-          <p:nvPr>
-            <p:ph type="ftr" sz="quarter" idx="17"/>
-          </p:nvPr>
-        </p:nvSpPr>
-        <p:spPr/>
-        <p:txBody>
-          <a:bodyPr/>
-          <a:lstStyle/>
-          <a:p>
-            <a:r>
-              <a:rPr lang="en-IN" dirty="0"/>
-              <a:t>Add a footer</a:t>
-            </a:r>
-          </a:p>
-        </p:txBody>
-      </p:sp>
-      <p:sp>
-        <p:nvSpPr>
-          <p:cNvPr id="4" name="Slide Number Placeholder 3">
-            <a:extLst>
-              <a:ext uri="{FF2B5EF4-FFF2-40B4-BE49-F238E27FC236}">
-                <a16:creationId xmlns:a16="http://schemas.microsoft.com/office/drawing/2014/main" id="{7553D90E-F2EA-4BA1-ACBD-9D3D0EB22C8A}"/>
-              </a:ext>
-            </a:extLst>
-          </p:cNvPr>
-          <p:cNvSpPr>
-            <a:spLocks noGrp="1"/>
-          </p:cNvSpPr>
-          <p:nvPr>
-            <p:ph type="sldNum" sz="quarter" idx="18"/>
-          </p:nvPr>
-        </p:nvSpPr>
-        <p:spPr/>
-        <p:txBody>
-          <a:bodyPr/>
-          <a:lstStyle/>
-          <a:p>
-            <a:fld id="{8699F50C-BE38-4BD0-BA84-9B090E1F2B9B}" type="slidenum">
-              <a:rPr lang="en-IN" smtClean="0"/>
-              <a:pPr/>
-              <a:t>3</a:t>
-            </a:fld>
-            <a:endParaRPr lang="en-IN" dirty="0"/>
-          </a:p>
-        </p:txBody>
-      </p:sp>
-      <p:sp>
-        <p:nvSpPr>
-          <p:cNvPr id="2" name="Table Placeholder 1">
-            <a:extLst>
-              <a:ext uri="{FF2B5EF4-FFF2-40B4-BE49-F238E27FC236}">
-                <a16:creationId xmlns:a16="http://schemas.microsoft.com/office/drawing/2014/main" id="{7CEEE99F-ECB7-411F-8F85-E042387089A6}"/>
-              </a:ext>
-            </a:extLst>
-          </p:cNvPr>
-          <p:cNvSpPr>
-            <a:spLocks noGrp="1"/>
-          </p:cNvSpPr>
-          <p:nvPr>
-            <p:ph type="tbl" sz="quarter" idx="12"/>
-          </p:nvPr>
-        </p:nvSpPr>
-        <p:spPr/>
-      </p:sp>
       <p:graphicFrame>
         <p:nvGraphicFramePr>
           <p:cNvPr id="9" name="Content Placeholder 5">
@@ -17007,7 +16890,7 @@
           <p:nvPr>
             <p:extLst>
               <p:ext uri="{D42A27DB-BD31-4B8C-83A1-F6EECF244321}">
-                <p14:modId xmlns:p14="http://schemas.microsoft.com/office/powerpoint/2010/main" val="3070948691"/>
+                <p14:modId xmlns:p14="http://schemas.microsoft.com/office/powerpoint/2010/main" val="3192626039"/>
               </p:ext>
             </p:extLst>
           </p:nvPr>
@@ -17022,6 +16905,83 @@
           </a:graphicData>
         </a:graphic>
       </p:graphicFrame>
+      <p:sp>
+        <p:nvSpPr>
+          <p:cNvPr id="13" name="Title 13">
+            <a:extLst>
+              <a:ext uri="{FF2B5EF4-FFF2-40B4-BE49-F238E27FC236}">
+                <a16:creationId xmlns:a16="http://schemas.microsoft.com/office/drawing/2014/main" id="{F64048FA-1C7E-4BEF-8273-A6490A2211F4}"/>
+              </a:ext>
+            </a:extLst>
+          </p:cNvPr>
+          <p:cNvSpPr>
+            <a:spLocks noGrp="1"/>
+          </p:cNvSpPr>
+          <p:nvPr>
+            <p:ph type="title"/>
+          </p:nvPr>
+        </p:nvSpPr>
+        <p:spPr/>
+        <p:txBody>
+          <a:bodyPr/>
+          <a:lstStyle/>
+          <a:p>
+            <a:r>
+              <a:rPr lang="en-ZA" dirty="0"/>
+              <a:t>TIMELINE</a:t>
+            </a:r>
+            <a:endParaRPr lang="en-IN" b="0" dirty="0"/>
+          </a:p>
+        </p:txBody>
+      </p:sp>
+      <p:sp>
+        <p:nvSpPr>
+          <p:cNvPr id="4" name="Slide Number Placeholder 3">
+            <a:extLst>
+              <a:ext uri="{FF2B5EF4-FFF2-40B4-BE49-F238E27FC236}">
+                <a16:creationId xmlns:a16="http://schemas.microsoft.com/office/drawing/2014/main" id="{7553D90E-F2EA-4BA1-ACBD-9D3D0EB22C8A}"/>
+              </a:ext>
+            </a:extLst>
+          </p:cNvPr>
+          <p:cNvSpPr>
+            <a:spLocks noGrp="1"/>
+          </p:cNvSpPr>
+          <p:nvPr>
+            <p:ph type="sldNum" sz="quarter" idx="18"/>
+          </p:nvPr>
+        </p:nvSpPr>
+        <p:spPr/>
+        <p:txBody>
+          <a:bodyPr/>
+          <a:lstStyle/>
+          <a:p>
+            <a:fld id="{8699F50C-BE38-4BD0-BA84-9B090E1F2B9B}" type="slidenum">
+              <a:rPr lang="en-IN" smtClean="0"/>
+              <a:pPr/>
+              <a:t>3</a:t>
+            </a:fld>
+            <a:endParaRPr lang="en-IN" dirty="0"/>
+          </a:p>
+        </p:txBody>
+      </p:sp>
+      <p:sp>
+        <p:nvSpPr>
+          <p:cNvPr id="2" name="Table Placeholder 1">
+            <a:extLst>
+              <a:ext uri="{FF2B5EF4-FFF2-40B4-BE49-F238E27FC236}">
+                <a16:creationId xmlns:a16="http://schemas.microsoft.com/office/drawing/2014/main" id="{7CEEE99F-ECB7-411F-8F85-E042387089A6}"/>
+              </a:ext>
+            </a:extLst>
+          </p:cNvPr>
+          <p:cNvSpPr>
+            <a:spLocks noGrp="1"/>
+          </p:cNvSpPr>
+          <p:nvPr>
+            <p:ph type="tbl" sz="quarter" idx="12"/>
+          </p:nvPr>
+        </p:nvSpPr>
+        <p:spPr/>
+      </p:sp>
       <p:sp>
         <p:nvSpPr>
           <p:cNvPr id="10" name="TextBox 9">
@@ -17244,6 +17204,13 @@
   <p:clrMapOvr>
     <a:masterClrMapping/>
   </p:clrMapOvr>
+  <p:timing>
+    <p:tnLst>
+      <p:par>
+        <p:cTn id="1" dur="indefinite" restart="never" nodeType="tmRoot"/>
+      </p:par>
+    </p:tnLst>
+  </p:timing>
 </p:sld>
 </file>
 
@@ -17430,34 +17397,6 @@
       </p:pic>
       <p:sp>
         <p:nvSpPr>
-          <p:cNvPr id="35" name="Footer Placeholder 34">
-            <a:extLst>
-              <a:ext uri="{FF2B5EF4-FFF2-40B4-BE49-F238E27FC236}">
-                <a16:creationId xmlns:a16="http://schemas.microsoft.com/office/drawing/2014/main" id="{6390A22B-EC07-E942-A46F-F36FDD7FDB9D}"/>
-              </a:ext>
-            </a:extLst>
-          </p:cNvPr>
-          <p:cNvSpPr>
-            <a:spLocks noGrp="1"/>
-          </p:cNvSpPr>
-          <p:nvPr>
-            <p:ph type="ftr" sz="quarter" idx="15"/>
-          </p:nvPr>
-        </p:nvSpPr>
-        <p:spPr/>
-        <p:txBody>
-          <a:bodyPr/>
-          <a:lstStyle/>
-          <a:p>
-            <a:r>
-              <a:rPr lang="en-IN" dirty="0"/>
-              <a:t>Add a footer</a:t>
-            </a:r>
-          </a:p>
-        </p:txBody>
-      </p:sp>
-      <p:sp>
-        <p:nvSpPr>
           <p:cNvPr id="10" name="Slide Number Placeholder 9">
             <a:extLst>
               <a:ext uri="{FF2B5EF4-FFF2-40B4-BE49-F238E27FC236}">
@@ -17544,6 +17483,13 @@
   <p:clrMapOvr>
     <a:masterClrMapping/>
   </p:clrMapOvr>
+  <p:timing>
+    <p:tnLst>
+      <p:par>
+        <p:cTn id="1" dur="indefinite" restart="never" nodeType="tmRoot"/>
+      </p:par>
+    </p:tnLst>
+  </p:timing>
 </p:sld>
 </file>
 
@@ -17599,9 +17545,15 @@
                 <a:solidFill>
                   <a:srgbClr val="0070C0"/>
                 </a:solidFill>
+                <a:hlinkClick r:id="rId3"/>
               </a:rPr>
               <a:t>DEMO</a:t>
             </a:r>
+            <a:endParaRPr lang="en-US" sz="6000" u="sng" dirty="0">
+              <a:solidFill>
+                <a:srgbClr val="0070C0"/>
+              </a:solidFill>
+            </a:endParaRPr>
           </a:p>
         </p:txBody>
       </p:sp>
@@ -17692,6 +17644,13 @@
   <p:clrMapOvr>
     <a:masterClrMapping/>
   </p:clrMapOvr>
+  <p:timing>
+    <p:tnLst>
+      <p:par>
+        <p:cTn id="1" dur="indefinite" restart="never" nodeType="tmRoot"/>
+      </p:par>
+    </p:tnLst>
+  </p:timing>
 </p:sld>
 </file>
 
@@ -17782,6 +17741,63 @@
               <a:rPr lang="en-IN" dirty="0"/>
               <a:t>Training </a:t>
             </a:r>
+            <a:endParaRPr lang="en-IN" dirty="0" smtClean="0"/>
+          </a:p>
+          <a:p>
+            <a:pPr marL="800100" lvl="1" indent="-342900">
+              <a:buClr>
+                <a:schemeClr val="accent2"/>
+              </a:buClr>
+              <a:buFont typeface="Arial" panose="020B0604020202020204" pitchFamily="34" charset="0"/>
+              <a:buChar char="•"/>
+            </a:pPr>
+            <a:r>
+              <a:rPr lang="en-US" dirty="0" smtClean="0">
+                <a:solidFill>
+                  <a:schemeClr val="tx1"/>
+                </a:solidFill>
+              </a:rPr>
+              <a:t>Video Tutorial</a:t>
+            </a:r>
+          </a:p>
+          <a:p>
+            <a:pPr marL="800100" lvl="1" indent="-342900">
+              <a:buClr>
+                <a:schemeClr val="accent2"/>
+              </a:buClr>
+              <a:buFont typeface="Arial" panose="020B0604020202020204" pitchFamily="34" charset="0"/>
+              <a:buChar char="•"/>
+            </a:pPr>
+            <a:r>
+              <a:rPr lang="en-US" dirty="0" smtClean="0">
+                <a:solidFill>
+                  <a:schemeClr val="tx1"/>
+                </a:solidFill>
+              </a:rPr>
+              <a:t>PDF Step by Step Guide</a:t>
+            </a:r>
+          </a:p>
+          <a:p>
+            <a:pPr marL="800100" lvl="1" indent="-342900">
+              <a:buClr>
+                <a:schemeClr val="accent2"/>
+              </a:buClr>
+              <a:buFont typeface="Arial" panose="020B0604020202020204" pitchFamily="34" charset="0"/>
+              <a:buChar char="•"/>
+            </a:pPr>
+            <a:r>
+              <a:rPr lang="en-US" dirty="0" smtClean="0">
+                <a:solidFill>
+                  <a:schemeClr val="tx1"/>
+                </a:solidFill>
+              </a:rPr>
+              <a:t>1 Hour Presentation</a:t>
+            </a:r>
+            <a:endParaRPr lang="en-IN" dirty="0">
+              <a:solidFill>
+                <a:schemeClr val="tx1"/>
+              </a:solidFill>
+            </a:endParaRPr>
           </a:p>
           <a:p>
             <a:pPr marL="342900" indent="-342900">
@@ -17813,7 +17829,15 @@
                   <a:schemeClr val="tx1"/>
                 </a:solidFill>
               </a:rPr>
-              <a:t>Free – first 3 months</a:t>
+              <a:t>Free – first 3 </a:t>
+            </a:r>
+            <a:r>
+              <a:rPr lang="en-IN" dirty="0" smtClean="0">
+                <a:solidFill>
+                  <a:schemeClr val="tx1"/>
+                </a:solidFill>
+              </a:rPr>
+              <a:t>months</a:t>
             </a:r>
           </a:p>
           <a:p>
@@ -17828,65 +17852,28 @@
               <a:buChar char="•"/>
             </a:pPr>
             <a:r>
+              <a:rPr lang="en-IN" dirty="0" smtClean="0">
+                <a:solidFill>
+                  <a:schemeClr val="tx1"/>
+                </a:solidFill>
+              </a:rPr>
+              <a:t>10-15% </a:t>
+            </a:r>
+            <a:r>
               <a:rPr lang="en-IN" dirty="0">
                 <a:solidFill>
                   <a:schemeClr val="tx1"/>
                 </a:solidFill>
               </a:rPr>
-              <a:t>10-20% of project cost – after 3 months</a:t>
+              <a:t>of project </a:t>
             </a:r>
-          </a:p>
-          <a:p>
-            <a:pPr marL="342900" lvl="1" indent="-342900">
-              <a:spcBef>
-                <a:spcPts val="1000"/>
-              </a:spcBef>
-              <a:buClr>
-                <a:schemeClr val="accent2"/>
-              </a:buClr>
-              <a:buFont typeface="Arial" panose="020B0604020202020204" pitchFamily="34" charset="0"/>
-              <a:buChar char="•"/>
-            </a:pPr>
-            <a:endParaRPr lang="en-IN" dirty="0">
-              <a:solidFill>
-                <a:schemeClr val="tx1"/>
-              </a:solidFill>
-            </a:endParaRPr>
-          </a:p>
-          <a:p>
-            <a:pPr>
-              <a:buClr>
-                <a:schemeClr val="accent2"/>
-              </a:buClr>
-            </a:pPr>
-            <a:endParaRPr lang="en-IN" dirty="0"/>
-          </a:p>
-        </p:txBody>
-      </p:sp>
-      <p:sp>
-        <p:nvSpPr>
-          <p:cNvPr id="3" name="Footer Placeholder 2">
-            <a:extLst>
-              <a:ext uri="{FF2B5EF4-FFF2-40B4-BE49-F238E27FC236}">
-                <a16:creationId xmlns:a16="http://schemas.microsoft.com/office/drawing/2014/main" id="{B04C11C9-3DF6-471E-87C0-4DCED41031D4}"/>
-              </a:ext>
-            </a:extLst>
-          </p:cNvPr>
-          <p:cNvSpPr>
-            <a:spLocks noGrp="1"/>
-          </p:cNvSpPr>
-          <p:nvPr>
-            <p:ph type="ftr" sz="quarter" idx="17"/>
-          </p:nvPr>
-        </p:nvSpPr>
-        <p:spPr/>
-        <p:txBody>
-          <a:bodyPr/>
-          <a:lstStyle/>
-          <a:p>
             <a:r>
-              <a:rPr lang="en-IN" dirty="0"/>
-              <a:t>Add a footer</a:t>
+              <a:rPr lang="en-IN" dirty="0" smtClean="0">
+                <a:solidFill>
+                  <a:schemeClr val="tx1"/>
+                </a:solidFill>
+              </a:rPr>
+              <a:t>cost – after 3 months</a:t>
             </a:r>
           </a:p>
         </p:txBody>
@@ -17979,6 +17966,13 @@
   <p:clrMapOvr>
     <a:masterClrMapping/>
   </p:clrMapOvr>
+  <p:timing>
+    <p:tnLst>
+      <p:par>
+        <p:cTn id="1" dur="indefinite" restart="never" nodeType="tmRoot"/>
+      </p:par>
+    </p:tnLst>
+  </p:timing>
 </p:sld>
 </file>
 
@@ -18391,6 +18385,13 @@
   <p:clrMapOvr>
     <a:masterClrMapping/>
   </p:clrMapOvr>
+  <p:timing>
+    <p:tnLst>
+      <p:par>
+        <p:cTn id="1" dur="indefinite" restart="never" nodeType="tmRoot"/>
+      </p:par>
+    </p:tnLst>
+  </p:timing>
 </p:sld>
 </file>
 
@@ -19246,24 +19247,6 @@
 </file>
 
 <file path=customXml/item1.xml><?xml version="1.0" encoding="utf-8"?>
-<p:properties xmlns:p="http://schemas.microsoft.com/office/2006/metadata/properties" xmlns:xsi="http://www.w3.org/2001/XMLSchema-instance" xmlns:pc="http://schemas.microsoft.com/office/infopath/2007/PartnerControls">
-  <documentManagement>
-    <_ip_UnifiedCompliancePolicyUIAction xmlns="http://schemas.microsoft.com/sharepoint/v3" xsi:nil="true"/>
-    <_ip_UnifiedCompliancePolicyProperties xmlns="http://schemas.microsoft.com/sharepoint/v3" xsi:nil="true"/>
-  </documentManagement>
-</p:properties>
-</file>
-
-<file path=customXml/item2.xml><?xml version="1.0" encoding="utf-8"?>
-<?mso-contentType ?>
-<FormTemplates xmlns="http://schemas.microsoft.com/sharepoint/v3/contenttype/forms">
-  <Display>DocumentLibraryForm</Display>
-  <Edit>DocumentLibraryForm</Edit>
-  <New>DocumentLibraryForm</New>
-</FormTemplates>
-</file>
-
-<file path=customXml/item3.xml><?xml version="1.0" encoding="utf-8"?>
 <ct:contentTypeSchema xmlns:ct="http://schemas.microsoft.com/office/2006/metadata/contentType" xmlns:ma="http://schemas.microsoft.com/office/2006/metadata/properties/metaAttributes" ct:_="" ma:_="" ma:contentTypeName="Document" ma:contentTypeID="0x010100DEEA25CC0A0AC24199CDC46C25B8B0BC" ma:contentTypeVersion="10" ma:contentTypeDescription="Create a new document." ma:contentTypeScope="" ma:versionID="e3b47856d4cf355c0dacb39e1084d14f">
   <xsd:schema xmlns:xsd="http://www.w3.org/2001/XMLSchema" xmlns:xs="http://www.w3.org/2001/XMLSchema" xmlns:p="http://schemas.microsoft.com/office/2006/metadata/properties" xmlns:ns1="http://schemas.microsoft.com/sharepoint/v3" xmlns:ns2="6dc4bcd6-49db-4c07-9060-8acfc67cef9f" xmlns:ns3="fb0879af-3eba-417a-a55a-ffe6dcd6ca77" targetNamespace="http://schemas.microsoft.com/office/2006/metadata/properties" ma:root="true" ma:fieldsID="a845a615265fdb1f7b12cc65ac20ecbd" ns1:_="" ns2:_="" ns3:_="">
     <xsd:import namespace="http://schemas.microsoft.com/sharepoint/v3"/>
@@ -19471,33 +19454,25 @@
 </ct:contentTypeSchema>
 </file>
 
-<file path=customXml/itemProps1.xml><?xml version="1.0" encoding="utf-8"?>
-<ds:datastoreItem xmlns:ds="http://schemas.openxmlformats.org/officeDocument/2006/customXml" ds:itemID="{374D15D6-87BC-477C-8E91-9F90829C2FC8}">
-  <ds:schemaRefs>
-    <ds:schemaRef ds:uri="http://schemas.microsoft.com/office/infopath/2007/PartnerControls"/>
-    <ds:schemaRef ds:uri="http://schemas.microsoft.com/office/2006/documentManagement/types"/>
-    <ds:schemaRef ds:uri="fb0879af-3eba-417a-a55a-ffe6dcd6ca77"/>
-    <ds:schemaRef ds:uri="http://schemas.microsoft.com/office/2006/metadata/properties"/>
-    <ds:schemaRef ds:uri="http://purl.org/dc/elements/1.1/"/>
-    <ds:schemaRef ds:uri="http://schemas.microsoft.com/sharepoint/v3"/>
-    <ds:schemaRef ds:uri="http://schemas.openxmlformats.org/package/2006/metadata/core-properties"/>
-    <ds:schemaRef ds:uri="http://purl.org/dc/terms/"/>
-    <ds:schemaRef ds:uri="6dc4bcd6-49db-4c07-9060-8acfc67cef9f"/>
-    <ds:schemaRef ds:uri="http://www.w3.org/XML/1998/namespace"/>
-    <ds:schemaRef ds:uri="http://purl.org/dc/dcmitype/"/>
-  </ds:schemaRefs>
-</ds:datastoreItem>
+<file path=customXml/item2.xml><?xml version="1.0" encoding="utf-8"?>
+<?mso-contentType ?>
+<FormTemplates xmlns="http://schemas.microsoft.com/sharepoint/v3/contenttype/forms">
+  <Display>DocumentLibraryForm</Display>
+  <Edit>DocumentLibraryForm</Edit>
+  <New>DocumentLibraryForm</New>
+</FormTemplates>
 </file>
 
-<file path=customXml/itemProps2.xml><?xml version="1.0" encoding="utf-8"?>
-<ds:datastoreItem xmlns:ds="http://schemas.openxmlformats.org/officeDocument/2006/customXml" ds:itemID="{F79AA90D-A39D-4F83-B1BD-92099B1CAD0D}">
-  <ds:schemaRefs>
-    <ds:schemaRef ds:uri="http://schemas.microsoft.com/sharepoint/v3/contenttype/forms"/>
-  </ds:schemaRefs>
-</ds:datastoreItem>
+<file path=customXml/item3.xml><?xml version="1.0" encoding="utf-8"?>
+<p:properties xmlns:p="http://schemas.microsoft.com/office/2006/metadata/properties" xmlns:xsi="http://www.w3.org/2001/XMLSchema-instance" xmlns:pc="http://schemas.microsoft.com/office/infopath/2007/PartnerControls">
+  <documentManagement>
+    <_ip_UnifiedCompliancePolicyUIAction xmlns="http://schemas.microsoft.com/sharepoint/v3" xsi:nil="true"/>
+    <_ip_UnifiedCompliancePolicyProperties xmlns="http://schemas.microsoft.com/sharepoint/v3" xsi:nil="true"/>
+  </documentManagement>
+</p:properties>
 </file>
 
-<file path=customXml/itemProps3.xml><?xml version="1.0" encoding="utf-8"?>
+<file path=customXml/itemProps1.xml><?xml version="1.0" encoding="utf-8"?>
 <ds:datastoreItem xmlns:ds="http://schemas.openxmlformats.org/officeDocument/2006/customXml" ds:itemID="{D19A80A7-0DD1-4CF4-ABD5-362A6549C557}">
   <ds:schemaRefs>
     <ds:schemaRef ds:uri="http://schemas.microsoft.com/office/2006/metadata/contentType"/>
@@ -19515,4 +19490,30 @@
     <ds:schemaRef ds:uri="http://schemas.microsoft.com/internal/obd"/>
   </ds:schemaRefs>
 </ds:datastoreItem>
+</file>
+
+<file path=customXml/itemProps2.xml><?xml version="1.0" encoding="utf-8"?>
+<ds:datastoreItem xmlns:ds="http://schemas.openxmlformats.org/officeDocument/2006/customXml" ds:itemID="{F79AA90D-A39D-4F83-B1BD-92099B1CAD0D}">
+  <ds:schemaRefs>
+    <ds:schemaRef ds:uri="http://schemas.microsoft.com/sharepoint/v3/contenttype/forms"/>
+  </ds:schemaRefs>
+</ds:datastoreItem>
+</file>
+
+<file path=customXml/itemProps3.xml><?xml version="1.0" encoding="utf-8"?>
+<ds:datastoreItem xmlns:ds="http://schemas.openxmlformats.org/officeDocument/2006/customXml" ds:itemID="{374D15D6-87BC-477C-8E91-9F90829C2FC8}">
+  <ds:schemaRefs>
+    <ds:schemaRef ds:uri="http://schemas.microsoft.com/office/infopath/2007/PartnerControls"/>
+    <ds:schemaRef ds:uri="http://schemas.microsoft.com/office/2006/documentManagement/types"/>
+    <ds:schemaRef ds:uri="fb0879af-3eba-417a-a55a-ffe6dcd6ca77"/>
+    <ds:schemaRef ds:uri="http://schemas.microsoft.com/office/2006/metadata/properties"/>
+    <ds:schemaRef ds:uri="http://purl.org/dc/elements/1.1/"/>
+    <ds:schemaRef ds:uri="http://schemas.microsoft.com/sharepoint/v3"/>
+    <ds:schemaRef ds:uri="http://schemas.openxmlformats.org/package/2006/metadata/core-properties"/>
+    <ds:schemaRef ds:uri="http://purl.org/dc/terms/"/>
+    <ds:schemaRef ds:uri="6dc4bcd6-49db-4c07-9060-8acfc67cef9f"/>
+    <ds:schemaRef ds:uri="http://www.w3.org/XML/1998/namespace"/>
+    <ds:schemaRef ds:uri="http://purl.org/dc/dcmitype/"/>
+  </ds:schemaRefs>
+</ds:datastoreItem>
 </file>